--- a/Oemof_Workshop_06_Kickoff_Wednesday.pptx
+++ b/Oemof_Workshop_06_Kickoff_Wednesday.pptx
@@ -212,7 +212,7 @@
           <a:p>
             <a:fld id="{6BD11D3B-DADA-9042-8997-28ACE677BFD3}" type="datetimeFigureOut">
               <a:rPr lang="de-DE" smtClean="0"/>
-              <a:t>15.09.2019</a:t>
+              <a:t>18.09.2019</a:t>
             </a:fld>
             <a:endParaRPr lang="de-DE"/>
           </a:p>
@@ -10535,7 +10535,7 @@
           <p:nvPr>
             <p:extLst>
               <p:ext uri="{D42A27DB-BD31-4B8C-83A1-F6EECF244321}">
-                <p14:modId xmlns:p14="http://schemas.microsoft.com/office/powerpoint/2010/main" val="1973989110"/>
+                <p14:modId xmlns:p14="http://schemas.microsoft.com/office/powerpoint/2010/main" val="2581723773"/>
               </p:ext>
             </p:extLst>
           </p:nvPr>
@@ -11123,7 +11123,7 @@
                       </a:r>
                       <a:r>
                         <a:rPr lang="de-DE" baseline="0" dirty="0" err="1" smtClean="0"/>
-                        <a:t>constrain</a:t>
+                        <a:t>constrains</a:t>
                       </a:r>
                       <a:endParaRPr lang="de-DE" dirty="0"/>
                     </a:p>

--- a/Oemof_Workshop_06_Kickoff_Wednesday.pptx
+++ b/Oemof_Workshop_06_Kickoff_Wednesday.pptx
@@ -5,14 +5,13 @@
     <p:sldMasterId id="2147483660" r:id="rId1"/>
   </p:sldMasterIdLst>
   <p:notesMasterIdLst>
-    <p:notesMasterId r:id="rId7"/>
+    <p:notesMasterId r:id="rId6"/>
   </p:notesMasterIdLst>
   <p:sldIdLst>
     <p:sldId id="332" r:id="rId2"/>
     <p:sldId id="328" r:id="rId3"/>
-    <p:sldId id="333" r:id="rId4"/>
-    <p:sldId id="304" r:id="rId5"/>
-    <p:sldId id="302" r:id="rId6"/>
+    <p:sldId id="304" r:id="rId4"/>
+    <p:sldId id="302" r:id="rId5"/>
   </p:sldIdLst>
   <p:sldSz cx="9144000" cy="6858000" type="screen4x3"/>
   <p:notesSz cx="6858000" cy="9144000"/>
@@ -717,61 +716,27 @@
           <a:bodyPr/>
           <a:lstStyle/>
           <a:p>
-            <a:pPr marL="0" marR="0" indent="0" algn="l" defTabSz="914400" rtl="0" eaLnBrk="1" fontAlgn="auto" latinLnBrk="0" hangingPunct="1">
-              <a:lnSpc>
-                <a:spcPct val="100000"/>
-              </a:lnSpc>
-              <a:spcBef>
-                <a:spcPts val="0"/>
-              </a:spcBef>
-              <a:spcAft>
-                <a:spcPts val="0"/>
-              </a:spcAft>
-              <a:buClrTx/>
-              <a:buSzTx/>
-              <a:buFontTx/>
-              <a:buNone/>
-              <a:tabLst/>
-              <a:defRPr/>
-            </a:pPr>
-            <a:r>
-              <a:rPr lang="de-DE" dirty="0"/>
-              <a:t>Erhöhte Versorgungssicherheit durch Reduzierung der starken Abhängigkeit von fossilen Brennstoffimporten</a:t>
-            </a:r>
-          </a:p>
-          <a:p>
-            <a:r>
-              <a:rPr lang="de-DE" dirty="0"/>
-              <a:t>Effizienzsteigerung durch Lastoptimierung der Dieselgeneratoren </a:t>
-            </a:r>
-            <a:r>
-              <a:rPr lang="de-DE" dirty="0">
-                <a:sym typeface="Wingdings" panose="05000000000000000000" pitchFamily="2" charset="2"/>
-              </a:rPr>
-              <a:t> Vermeidung von </a:t>
-            </a:r>
-            <a:r>
-              <a:rPr lang="de-DE" dirty="0" err="1">
-                <a:sym typeface="Wingdings" panose="05000000000000000000" pitchFamily="2" charset="2"/>
-              </a:rPr>
-              <a:t>Teillast</a:t>
-            </a:r>
-            <a:endParaRPr lang="de-DE" dirty="0"/>
-          </a:p>
-          <a:p>
-            <a:r>
-              <a:rPr lang="de-DE" dirty="0"/>
-              <a:t>Erhöhte Versorgungssicherheit durch Reduzierung der starken Abhängigkeit von fossilen Brennstoffimporten</a:t>
-            </a:r>
-          </a:p>
-          <a:p>
-            <a:r>
-              <a:rPr lang="de-DE" dirty="0"/>
-              <a:t>Senkung der Stromgestehungskosten durch kompetitive und zuverlässige Technologien</a:t>
-            </a:r>
-          </a:p>
-          <a:p>
-            <a:endParaRPr lang="de-DE" dirty="0"/>
+            <a:r>
+              <a:rPr lang="de-DE" dirty="0" err="1" smtClean="0"/>
+              <a:t>Present</a:t>
+            </a:r>
+            <a:r>
+              <a:rPr lang="de-DE" baseline="0" dirty="0" smtClean="0"/>
+              <a:t> </a:t>
+            </a:r>
+            <a:r>
+              <a:rPr lang="de-DE" baseline="0" dirty="0" err="1" smtClean="0"/>
+              <a:t>daily</a:t>
+            </a:r>
+            <a:r>
+              <a:rPr lang="de-DE" baseline="0" dirty="0" smtClean="0"/>
+              <a:t> </a:t>
+            </a:r>
+            <a:r>
+              <a:rPr lang="de-DE" baseline="0" dirty="0" err="1" smtClean="0"/>
+              <a:t>schedule</a:t>
+            </a:r>
+            <a:endParaRPr lang="de-DE" baseline="0" dirty="0" smtClean="0"/>
           </a:p>
         </p:txBody>
       </p:sp>
@@ -793,110 +758,6 @@
             <a:fld id="{B1E58A51-5952-5047-839D-0803ED9D6A3D}" type="slidenum">
               <a:rPr lang="de-DE" smtClean="0"/>
               <a:t>2</a:t>
-            </a:fld>
-            <a:endParaRPr lang="de-DE"/>
-          </a:p>
-        </p:txBody>
-      </p:sp>
-    </p:spTree>
-    <p:extLst>
-      <p:ext uri="{BB962C8B-B14F-4D97-AF65-F5344CB8AC3E}">
-        <p14:creationId xmlns:p14="http://schemas.microsoft.com/office/powerpoint/2010/main" val="2468942748"/>
-      </p:ext>
-    </p:extLst>
-  </p:cSld>
-  <p:clrMapOvr>
-    <a:masterClrMapping/>
-  </p:clrMapOvr>
-</p:notes>
-</file>
-
-<file path=ppt/notesSlides/notesSlide4.xml><?xml version="1.0" encoding="utf-8"?>
-<p:notes xmlns:a="http://schemas.openxmlformats.org/drawingml/2006/main" xmlns:r="http://schemas.openxmlformats.org/officeDocument/2006/relationships" xmlns:p="http://schemas.openxmlformats.org/presentationml/2006/main">
-  <p:cSld>
-    <p:spTree>
-      <p:nvGrpSpPr>
-        <p:cNvPr id="1" name=""/>
-        <p:cNvGrpSpPr/>
-        <p:nvPr/>
-      </p:nvGrpSpPr>
-      <p:grpSpPr>
-        <a:xfrm>
-          <a:off x="0" y="0"/>
-          <a:ext cx="0" cy="0"/>
-          <a:chOff x="0" y="0"/>
-          <a:chExt cx="0" cy="0"/>
-        </a:xfrm>
-      </p:grpSpPr>
-      <p:sp>
-        <p:nvSpPr>
-          <p:cNvPr id="2" name="Folienbildplatzhalter 1"/>
-          <p:cNvSpPr>
-            <a:spLocks noGrp="1" noRot="1" noChangeAspect="1"/>
-          </p:cNvSpPr>
-          <p:nvPr>
-            <p:ph type="sldImg"/>
-          </p:nvPr>
-        </p:nvSpPr>
-        <p:spPr/>
-      </p:sp>
-      <p:sp>
-        <p:nvSpPr>
-          <p:cNvPr id="3" name="Notizenplatzhalter 2"/>
-          <p:cNvSpPr>
-            <a:spLocks noGrp="1"/>
-          </p:cNvSpPr>
-          <p:nvPr>
-            <p:ph type="body" idx="1"/>
-          </p:nvPr>
-        </p:nvSpPr>
-        <p:spPr/>
-        <p:txBody>
-          <a:bodyPr/>
-          <a:lstStyle/>
-          <a:p>
-            <a:r>
-              <a:rPr lang="de-DE" dirty="0" err="1" smtClean="0"/>
-              <a:t>Present</a:t>
-            </a:r>
-            <a:r>
-              <a:rPr lang="de-DE" baseline="0" dirty="0" smtClean="0"/>
-              <a:t> </a:t>
-            </a:r>
-            <a:r>
-              <a:rPr lang="de-DE" baseline="0" dirty="0" err="1" smtClean="0"/>
-              <a:t>daily</a:t>
-            </a:r>
-            <a:r>
-              <a:rPr lang="de-DE" baseline="0" dirty="0" smtClean="0"/>
-              <a:t> </a:t>
-            </a:r>
-            <a:r>
-              <a:rPr lang="de-DE" baseline="0" dirty="0" err="1" smtClean="0"/>
-              <a:t>schedule</a:t>
-            </a:r>
-            <a:endParaRPr lang="de-DE" baseline="0" dirty="0" smtClean="0"/>
-          </a:p>
-        </p:txBody>
-      </p:sp>
-      <p:sp>
-        <p:nvSpPr>
-          <p:cNvPr id="4" name="Foliennummernplatzhalter 3"/>
-          <p:cNvSpPr>
-            <a:spLocks noGrp="1"/>
-          </p:cNvSpPr>
-          <p:nvPr>
-            <p:ph type="sldNum" sz="quarter" idx="10"/>
-          </p:nvPr>
-        </p:nvSpPr>
-        <p:spPr/>
-        <p:txBody>
-          <a:bodyPr/>
-          <a:lstStyle/>
-          <a:p>
-            <a:fld id="{B1E58A51-5952-5047-839D-0803ED9D6A3D}" type="slidenum">
-              <a:rPr lang="de-DE" smtClean="0"/>
-              <a:t>3</a:t>
             </a:fld>
             <a:endParaRPr lang="de-DE"/>
           </a:p>
@@ -10141,48 +10002,47 @@
       </p:grpSpPr>
       <p:sp>
         <p:nvSpPr>
-          <p:cNvPr id="3" name="Datumsplatzhalter 2"/>
-          <p:cNvSpPr>
-            <a:spLocks noGrp="1"/>
-          </p:cNvSpPr>
-          <p:nvPr>
-            <p:ph type="dt" sz="half" idx="19"/>
-          </p:nvPr>
-        </p:nvSpPr>
-        <p:spPr>
-          <a:xfrm>
-            <a:off x="628650" y="6487210"/>
-            <a:ext cx="2057400" cy="365125"/>
-          </a:xfrm>
-        </p:spPr>
+          <p:cNvPr id="2" name="Titel 1"/>
+          <p:cNvSpPr>
+            <a:spLocks noGrp="1"/>
+          </p:cNvSpPr>
+          <p:nvPr>
+            <p:ph type="title"/>
+          </p:nvPr>
+        </p:nvSpPr>
+        <p:spPr/>
         <p:txBody>
           <a:bodyPr/>
           <a:lstStyle/>
           <a:p>
-            <a:r>
-              <a:rPr lang="en-US" dirty="0" smtClean="0"/>
-              <a:t>September 16, 2019</a:t>
-            </a:r>
-            <a:endParaRPr lang="de-DE" dirty="0"/>
-          </a:p>
-        </p:txBody>
-      </p:sp>
-      <p:sp>
-        <p:nvSpPr>
-          <p:cNvPr id="4" name="Foliennummernplatzhalter 3"/>
-          <p:cNvSpPr>
-            <a:spLocks noGrp="1"/>
-          </p:cNvSpPr>
-          <p:nvPr>
-            <p:ph type="sldNum" sz="quarter" idx="21"/>
-          </p:nvPr>
-        </p:nvSpPr>
-        <p:spPr>
-          <a:xfrm>
-            <a:off x="6457950" y="6487210"/>
-            <a:ext cx="2057400" cy="365125"/>
-          </a:xfrm>
-        </p:spPr>
+            <a:pPr lvl="0"/>
+            <a:r>
+              <a:rPr lang="en-US" dirty="0" smtClean="0">
+                <a:latin typeface="Roboto" panose="02000000000000000000" pitchFamily="2" charset="0"/>
+                <a:ea typeface="Roboto" panose="02000000000000000000" pitchFamily="2" charset="0"/>
+                <a:cs typeface="Roboto" panose="02000000000000000000" pitchFamily="2" charset="0"/>
+              </a:rPr>
+              <a:t>Agenda of the day</a:t>
+            </a:r>
+            <a:endParaRPr lang="en-US" dirty="0">
+              <a:latin typeface="Roboto" panose="02000000000000000000" pitchFamily="2" charset="0"/>
+              <a:ea typeface="Roboto" panose="02000000000000000000" pitchFamily="2" charset="0"/>
+              <a:cs typeface="Roboto" panose="02000000000000000000" pitchFamily="2" charset="0"/>
+            </a:endParaRPr>
+          </a:p>
+        </p:txBody>
+      </p:sp>
+      <p:sp>
+        <p:nvSpPr>
+          <p:cNvPr id="3" name="Foliennummernplatzhalter 2"/>
+          <p:cNvSpPr>
+            <a:spLocks noGrp="1"/>
+          </p:cNvSpPr>
+          <p:nvPr>
+            <p:ph type="sldNum" sz="quarter" idx="11"/>
+          </p:nvPr>
+        </p:nvSpPr>
+        <p:spPr/>
         <p:txBody>
           <a:bodyPr/>
           <a:lstStyle/>
@@ -10198,290 +10058,6 @@
       </p:sp>
       <p:sp>
         <p:nvSpPr>
-          <p:cNvPr id="5" name="Fußzeilenplatzhalter 4"/>
-          <p:cNvSpPr>
-            <a:spLocks noGrp="1"/>
-          </p:cNvSpPr>
-          <p:nvPr>
-            <p:ph type="ftr" sz="quarter" idx="20"/>
-          </p:nvPr>
-        </p:nvSpPr>
-        <p:spPr>
-          <a:xfrm>
-            <a:off x="3028950" y="6487210"/>
-            <a:ext cx="3086100" cy="365125"/>
-          </a:xfrm>
-        </p:spPr>
-        <p:txBody>
-          <a:bodyPr/>
-          <a:lstStyle/>
-          <a:p>
-            <a:r>
-              <a:rPr lang="en-US" smtClean="0"/>
-              <a:t>Reiner Lemoine Institut</a:t>
-            </a:r>
-            <a:endParaRPr lang="de-DE" dirty="0"/>
-          </a:p>
-        </p:txBody>
-      </p:sp>
-      <p:sp>
-        <p:nvSpPr>
-          <p:cNvPr id="11" name="Titel 10"/>
-          <p:cNvSpPr>
-            <a:spLocks noGrp="1"/>
-          </p:cNvSpPr>
-          <p:nvPr>
-            <p:ph type="title"/>
-          </p:nvPr>
-        </p:nvSpPr>
-        <p:spPr/>
-        <p:txBody>
-          <a:bodyPr>
-            <a:normAutofit/>
-          </a:bodyPr>
-          <a:lstStyle/>
-          <a:p>
-            <a:r>
-              <a:rPr lang="de-DE" dirty="0" err="1" smtClean="0"/>
-              <a:t>Introducing</a:t>
-            </a:r>
-            <a:r>
-              <a:rPr lang="de-DE" dirty="0" smtClean="0"/>
-              <a:t> </a:t>
-            </a:r>
-            <a:r>
-              <a:rPr lang="de-DE" dirty="0" err="1" smtClean="0"/>
-              <a:t>words</a:t>
-            </a:r>
-            <a:endParaRPr lang="de-DE" dirty="0"/>
-          </a:p>
-        </p:txBody>
-      </p:sp>
-      <p:sp>
-        <p:nvSpPr>
-          <p:cNvPr id="2" name="Textplatzhalter 1"/>
-          <p:cNvSpPr>
-            <a:spLocks noGrp="1"/>
-          </p:cNvSpPr>
-          <p:nvPr>
-            <p:ph type="body" sz="quarter" idx="17"/>
-          </p:nvPr>
-        </p:nvSpPr>
-        <p:spPr>
-          <a:xfrm>
-            <a:off x="1470056" y="2531772"/>
-            <a:ext cx="6016594" cy="2069725"/>
-          </a:xfrm>
-          <a:solidFill>
-            <a:schemeClr val="bg1">
-              <a:lumMod val="95000"/>
-            </a:schemeClr>
-          </a:solidFill>
-        </p:spPr>
-        <p:txBody>
-          <a:bodyPr anchor="ctr">
-            <a:normAutofit/>
-          </a:bodyPr>
-          <a:lstStyle/>
-          <a:p>
-            <a:pPr algn="ctr">
-              <a:spcAft>
-                <a:spcPts val="600"/>
-              </a:spcAft>
-            </a:pPr>
-            <a:r>
-              <a:rPr lang="de-DE" sz="3200" b="1" dirty="0" smtClean="0">
-                <a:latin typeface="Roboto Medium" panose="02000000000000000000" pitchFamily="2" charset="0"/>
-                <a:ea typeface="Roboto Medium" panose="02000000000000000000" pitchFamily="2" charset="0"/>
-                <a:cs typeface="Roboto Medium" panose="02000000000000000000" pitchFamily="2" charset="0"/>
-              </a:rPr>
-              <a:t>Welcome </a:t>
-            </a:r>
-            <a:r>
-              <a:rPr lang="de-DE" sz="3200" b="1" dirty="0" err="1" smtClean="0">
-                <a:latin typeface="Roboto Medium" panose="02000000000000000000" pitchFamily="2" charset="0"/>
-                <a:ea typeface="Roboto Medium" panose="02000000000000000000" pitchFamily="2" charset="0"/>
-                <a:cs typeface="Roboto Medium" panose="02000000000000000000" pitchFamily="2" charset="0"/>
-              </a:rPr>
-              <a:t>to</a:t>
-            </a:r>
-            <a:r>
-              <a:rPr lang="de-DE" sz="3200" b="1" dirty="0" smtClean="0">
-                <a:latin typeface="Roboto Medium" panose="02000000000000000000" pitchFamily="2" charset="0"/>
-                <a:ea typeface="Roboto Medium" panose="02000000000000000000" pitchFamily="2" charset="0"/>
-                <a:cs typeface="Roboto Medium" panose="02000000000000000000" pitchFamily="2" charset="0"/>
-              </a:rPr>
-              <a:t> </a:t>
-            </a:r>
-            <a:r>
-              <a:rPr lang="de-DE" sz="3200" b="1" dirty="0" err="1" smtClean="0">
-                <a:latin typeface="Roboto Medium" panose="02000000000000000000" pitchFamily="2" charset="0"/>
-                <a:ea typeface="Roboto Medium" panose="02000000000000000000" pitchFamily="2" charset="0"/>
-                <a:cs typeface="Roboto Medium" panose="02000000000000000000" pitchFamily="2" charset="0"/>
-              </a:rPr>
-              <a:t>the</a:t>
-            </a:r>
-            <a:r>
-              <a:rPr lang="de-DE" sz="3200" b="1" dirty="0" smtClean="0">
-                <a:latin typeface="Roboto Medium" panose="02000000000000000000" pitchFamily="2" charset="0"/>
-                <a:ea typeface="Roboto Medium" panose="02000000000000000000" pitchFamily="2" charset="0"/>
-                <a:cs typeface="Roboto Medium" panose="02000000000000000000" pitchFamily="2" charset="0"/>
-              </a:rPr>
-              <a:t> RLI!</a:t>
-            </a:r>
-            <a:endParaRPr lang="de-DE" sz="3200" dirty="0" smtClean="0">
-              <a:latin typeface="Roboto Medium" panose="02000000000000000000" pitchFamily="2" charset="0"/>
-              <a:ea typeface="Roboto Medium" panose="02000000000000000000" pitchFamily="2" charset="0"/>
-              <a:cs typeface="Roboto Medium" panose="02000000000000000000" pitchFamily="2" charset="0"/>
-            </a:endParaRPr>
-          </a:p>
-        </p:txBody>
-      </p:sp>
-      <p:sp>
-        <p:nvSpPr>
-          <p:cNvPr id="7" name="Rechteck 6"/>
-          <p:cNvSpPr/>
-          <p:nvPr/>
-        </p:nvSpPr>
-        <p:spPr>
-          <a:xfrm>
-            <a:off x="468761" y="5773161"/>
-            <a:ext cx="8206477" cy="707886"/>
-          </a:xfrm>
-          <a:prstGeom prst="rect">
-            <a:avLst/>
-          </a:prstGeom>
-        </p:spPr>
-        <p:txBody>
-          <a:bodyPr wrap="none">
-            <a:spAutoFit/>
-          </a:bodyPr>
-          <a:lstStyle/>
-          <a:p>
-            <a:r>
-              <a:rPr lang="en-GB" sz="2000" dirty="0" smtClean="0"/>
-              <a:t>All workshop contents at: </a:t>
-            </a:r>
-            <a:r>
-              <a:rPr lang="en-GB" sz="2000" dirty="0" smtClean="0">
-                <a:hlinkClick r:id="rId3"/>
-              </a:rPr>
-              <a:t>https</a:t>
-            </a:r>
-            <a:r>
-              <a:rPr lang="en-GB" sz="2000" dirty="0">
-                <a:hlinkClick r:id="rId3"/>
-              </a:rPr>
-              <a:t>://</a:t>
-            </a:r>
-            <a:r>
-              <a:rPr lang="en-GB" sz="2000" dirty="0" smtClean="0">
-                <a:hlinkClick r:id="rId3"/>
-              </a:rPr>
-              <a:t>github.com/smartie2076/oemof_workshop</a:t>
-            </a:r>
-            <a:endParaRPr lang="en-GB" sz="2000" dirty="0" smtClean="0"/>
-          </a:p>
-          <a:p>
-            <a:endParaRPr lang="en-GB" sz="2000" dirty="0"/>
-          </a:p>
-        </p:txBody>
-      </p:sp>
-    </p:spTree>
-    <p:extLst>
-      <p:ext uri="{BB962C8B-B14F-4D97-AF65-F5344CB8AC3E}">
-        <p14:creationId xmlns:p14="http://schemas.microsoft.com/office/powerpoint/2010/main" val="2113933506"/>
-      </p:ext>
-    </p:extLst>
-  </p:cSld>
-  <p:clrMapOvr>
-    <a:masterClrMapping/>
-  </p:clrMapOvr>
-  <p:timing>
-    <p:tnLst>
-      <p:par>
-        <p:cTn id="1" dur="indefinite" restart="never" nodeType="tmRoot"/>
-      </p:par>
-    </p:tnLst>
-  </p:timing>
-</p:sld>
-</file>
-
-<file path=ppt/slides/slide4.xml><?xml version="1.0" encoding="utf-8"?>
-<p:sld xmlns:a="http://schemas.openxmlformats.org/drawingml/2006/main" xmlns:r="http://schemas.openxmlformats.org/officeDocument/2006/relationships" xmlns:p="http://schemas.openxmlformats.org/presentationml/2006/main">
-  <p:cSld>
-    <p:spTree>
-      <p:nvGrpSpPr>
-        <p:cNvPr id="1" name=""/>
-        <p:cNvGrpSpPr/>
-        <p:nvPr/>
-      </p:nvGrpSpPr>
-      <p:grpSpPr>
-        <a:xfrm>
-          <a:off x="0" y="0"/>
-          <a:ext cx="0" cy="0"/>
-          <a:chOff x="0" y="0"/>
-          <a:chExt cx="0" cy="0"/>
-        </a:xfrm>
-      </p:grpSpPr>
-      <p:sp>
-        <p:nvSpPr>
-          <p:cNvPr id="2" name="Titel 1"/>
-          <p:cNvSpPr>
-            <a:spLocks noGrp="1"/>
-          </p:cNvSpPr>
-          <p:nvPr>
-            <p:ph type="title"/>
-          </p:nvPr>
-        </p:nvSpPr>
-        <p:spPr/>
-        <p:txBody>
-          <a:bodyPr/>
-          <a:lstStyle/>
-          <a:p>
-            <a:pPr lvl="0"/>
-            <a:r>
-              <a:rPr lang="en-US" dirty="0" smtClean="0">
-                <a:latin typeface="Roboto" panose="02000000000000000000" pitchFamily="2" charset="0"/>
-                <a:ea typeface="Roboto" panose="02000000000000000000" pitchFamily="2" charset="0"/>
-                <a:cs typeface="Roboto" panose="02000000000000000000" pitchFamily="2" charset="0"/>
-              </a:rPr>
-              <a:t>Agenda of the day</a:t>
-            </a:r>
-            <a:endParaRPr lang="en-US" dirty="0">
-              <a:latin typeface="Roboto" panose="02000000000000000000" pitchFamily="2" charset="0"/>
-              <a:ea typeface="Roboto" panose="02000000000000000000" pitchFamily="2" charset="0"/>
-              <a:cs typeface="Roboto" panose="02000000000000000000" pitchFamily="2" charset="0"/>
-            </a:endParaRPr>
-          </a:p>
-        </p:txBody>
-      </p:sp>
-      <p:sp>
-        <p:nvSpPr>
-          <p:cNvPr id="3" name="Foliennummernplatzhalter 2"/>
-          <p:cNvSpPr>
-            <a:spLocks noGrp="1"/>
-          </p:cNvSpPr>
-          <p:nvPr>
-            <p:ph type="sldNum" sz="quarter" idx="11"/>
-          </p:nvPr>
-        </p:nvSpPr>
-        <p:spPr/>
-        <p:txBody>
-          <a:bodyPr/>
-          <a:lstStyle/>
-          <a:p>
-            <a:fld id="{C2A96E4E-EC3F-424D-8211-F17AF9FC0446}" type="slidenum">
-              <a:rPr lang="de-DE" smtClean="0"/>
-              <a:pPr/>
-              <a:t>3</a:t>
-            </a:fld>
-            <a:endParaRPr lang="de-DE" dirty="0"/>
-          </a:p>
-        </p:txBody>
-      </p:sp>
-      <p:sp>
-        <p:nvSpPr>
           <p:cNvPr id="4" name="Fußzeilenplatzhalter 3"/>
           <p:cNvSpPr>
             <a:spLocks noGrp="1"/>
@@ -10535,7 +10111,7 @@
           <p:nvPr>
             <p:extLst>
               <p:ext uri="{D42A27DB-BD31-4B8C-83A1-F6EECF244321}">
-                <p14:modId xmlns:p14="http://schemas.microsoft.com/office/powerpoint/2010/main" val="2581723773"/>
+                <p14:modId xmlns:p14="http://schemas.microsoft.com/office/powerpoint/2010/main" val="1504815698"/>
               </p:ext>
             </p:extLst>
           </p:nvPr>
@@ -11644,9 +11220,10 @@
                     <a:lstStyle/>
                     <a:p>
                       <a:r>
-                        <a:rPr lang="de-DE" dirty="0" smtClean="0"/>
-                        <a:t>?</a:t>
+                        <a:rPr lang="de-DE" dirty="0" err="1" smtClean="0"/>
+                        <a:t>Asuma</a:t>
                       </a:r>
+                      <a:endParaRPr lang="de-DE" dirty="0" smtClean="0"/>
                     </a:p>
                   </a:txBody>
                   <a:tcPr>
@@ -12014,7 +11591,7 @@
 </p:sld>
 </file>
 
-<file path=ppt/slides/slide5.xml><?xml version="1.0" encoding="utf-8"?>
+<file path=ppt/slides/slide4.xml><?xml version="1.0" encoding="utf-8"?>
 <p:sld xmlns:a="http://schemas.openxmlformats.org/drawingml/2006/main" xmlns:r="http://schemas.openxmlformats.org/officeDocument/2006/relationships" xmlns:p="http://schemas.openxmlformats.org/presentationml/2006/main">
   <p:cSld>
     <p:spTree>
@@ -12084,7 +11661,7 @@
                 </a:solidFill>
               </a:rPr>
               <a:pPr/>
-              <a:t>4</a:t>
+              <a:t>3</a:t>
             </a:fld>
             <a:endParaRPr lang="de-DE" dirty="0">
               <a:solidFill>
